--- a/2018_topic2_student/Topic2.5 stage CPU executing in pipeline.pptx
+++ b/2018_topic2_student/Topic2.5 stage CPU executing in pipeline.pptx
@@ -317,7 +317,7 @@
           <a:p>
             <a:fld id="{21FA232E-0D23-E744-A2E7-48CC2B10A8E9}" type="datetimeFigureOut">
               <a:rPr kumimoji="1" lang="zh-CN" altLang="en-US" smtClean="0"/>
-              <a:t>2018/8/20</a:t>
+              <a:t>2018/10/16</a:t>
             </a:fld>
             <a:endParaRPr kumimoji="1" lang="zh-CN" altLang="en-US"/>
           </a:p>
@@ -1022,7 +1022,7 @@
           <a:p>
             <a:fld id="{EF50BAF8-1120-4869-B1EC-9D010EF77D65}" type="datetimeFigureOut">
               <a:rPr lang="zh-CN" altLang="en-US" smtClean="0"/>
-              <a:t>2018/8/20</a:t>
+              <a:t>2018/10/16</a:t>
             </a:fld>
             <a:endParaRPr lang="zh-CN" altLang="en-US"/>
           </a:p>
@@ -1190,7 +1190,7 @@
           <a:p>
             <a:fld id="{EF50BAF8-1120-4869-B1EC-9D010EF77D65}" type="datetimeFigureOut">
               <a:rPr lang="zh-CN" altLang="en-US" smtClean="0"/>
-              <a:t>2018/8/20</a:t>
+              <a:t>2018/10/16</a:t>
             </a:fld>
             <a:endParaRPr lang="zh-CN" altLang="en-US"/>
           </a:p>
@@ -1368,7 +1368,7 @@
           <a:p>
             <a:fld id="{EF50BAF8-1120-4869-B1EC-9D010EF77D65}" type="datetimeFigureOut">
               <a:rPr lang="zh-CN" altLang="en-US" smtClean="0"/>
-              <a:t>2018/8/20</a:t>
+              <a:t>2018/10/16</a:t>
             </a:fld>
             <a:endParaRPr lang="zh-CN" altLang="en-US"/>
           </a:p>
@@ -1665,7 +1665,7 @@
           <a:p>
             <a:fld id="{530820CF-B880-4189-942D-D702A7CBA730}" type="datetimeFigureOut">
               <a:rPr lang="zh-CN" altLang="en-US" smtClean="0"/>
-              <a:t>2018/8/20</a:t>
+              <a:t>2018/10/16</a:t>
             </a:fld>
             <a:endParaRPr lang="zh-CN" altLang="en-US"/>
           </a:p>
@@ -2087,7 +2087,7 @@
           <a:p>
             <a:fld id="{530820CF-B880-4189-942D-D702A7CBA730}" type="datetimeFigureOut">
               <a:rPr lang="zh-CN" altLang="en-US" smtClean="0"/>
-              <a:t>2018/8/20</a:t>
+              <a:t>2018/10/16</a:t>
             </a:fld>
             <a:endParaRPr lang="zh-CN" altLang="en-US"/>
           </a:p>
@@ -2342,7 +2342,7 @@
           <a:p>
             <a:fld id="{530820CF-B880-4189-942D-D702A7CBA730}" type="datetimeFigureOut">
               <a:rPr lang="zh-CN" altLang="en-US" smtClean="0"/>
-              <a:t>2018/8/20</a:t>
+              <a:t>2018/10/16</a:t>
             </a:fld>
             <a:endParaRPr lang="zh-CN" altLang="en-US"/>
           </a:p>
@@ -2540,7 +2540,7 @@
           <a:p>
             <a:fld id="{530820CF-B880-4189-942D-D702A7CBA730}" type="datetimeFigureOut">
               <a:rPr lang="zh-CN" altLang="en-US" smtClean="0"/>
-              <a:t>2018/8/20</a:t>
+              <a:t>2018/10/16</a:t>
             </a:fld>
             <a:endParaRPr lang="zh-CN" altLang="en-US"/>
           </a:p>
@@ -2820,7 +2820,7 @@
           <a:p>
             <a:fld id="{530820CF-B880-4189-942D-D702A7CBA730}" type="datetimeFigureOut">
               <a:rPr lang="zh-CN" altLang="en-US" smtClean="0"/>
-              <a:t>2018/8/20</a:t>
+              <a:t>2018/10/16</a:t>
             </a:fld>
             <a:endParaRPr lang="zh-CN" altLang="en-US"/>
           </a:p>
@@ -3234,7 +3234,7 @@
           <a:p>
             <a:fld id="{530820CF-B880-4189-942D-D702A7CBA730}" type="datetimeFigureOut">
               <a:rPr lang="zh-CN" altLang="en-US" smtClean="0"/>
-              <a:t>2018/8/20</a:t>
+              <a:t>2018/10/16</a:t>
             </a:fld>
             <a:endParaRPr lang="zh-CN" altLang="en-US"/>
           </a:p>
@@ -3346,7 +3346,7 @@
           <a:p>
             <a:fld id="{530820CF-B880-4189-942D-D702A7CBA730}" type="datetimeFigureOut">
               <a:rPr lang="zh-CN" altLang="en-US" smtClean="0"/>
-              <a:t>2018/8/20</a:t>
+              <a:t>2018/10/16</a:t>
             </a:fld>
             <a:endParaRPr lang="zh-CN" altLang="en-US"/>
           </a:p>
@@ -3436,7 +3436,7 @@
           <a:p>
             <a:fld id="{530820CF-B880-4189-942D-D702A7CBA730}" type="datetimeFigureOut">
               <a:rPr lang="zh-CN" altLang="en-US" smtClean="0"/>
-              <a:t>2018/8/20</a:t>
+              <a:t>2018/10/16</a:t>
             </a:fld>
             <a:endParaRPr lang="zh-CN" altLang="en-US"/>
           </a:p>
@@ -3603,7 +3603,7 @@
           <a:p>
             <a:fld id="{EF50BAF8-1120-4869-B1EC-9D010EF77D65}" type="datetimeFigureOut">
               <a:rPr lang="zh-CN" altLang="en-US" smtClean="0"/>
-              <a:t>2018/8/20</a:t>
+              <a:t>2018/10/16</a:t>
             </a:fld>
             <a:endParaRPr lang="zh-CN" altLang="en-US"/>
           </a:p>
@@ -3878,7 +3878,7 @@
           <a:p>
             <a:fld id="{530820CF-B880-4189-942D-D702A7CBA730}" type="datetimeFigureOut">
               <a:rPr lang="zh-CN" altLang="en-US" smtClean="0"/>
-              <a:t>2018/8/20</a:t>
+              <a:t>2018/10/16</a:t>
             </a:fld>
             <a:endParaRPr lang="zh-CN" altLang="en-US"/>
           </a:p>
@@ -4128,7 +4128,7 @@
           <a:p>
             <a:fld id="{530820CF-B880-4189-942D-D702A7CBA730}" type="datetimeFigureOut">
               <a:rPr lang="zh-CN" altLang="en-US" smtClean="0"/>
-              <a:t>2018/8/20</a:t>
+              <a:t>2018/10/16</a:t>
             </a:fld>
             <a:endParaRPr lang="zh-CN" altLang="en-US"/>
           </a:p>
@@ -4291,7 +4291,7 @@
           <a:p>
             <a:fld id="{530820CF-B880-4189-942D-D702A7CBA730}" type="datetimeFigureOut">
               <a:rPr lang="zh-CN" altLang="en-US" smtClean="0"/>
-              <a:t>2018/8/20</a:t>
+              <a:t>2018/10/16</a:t>
             </a:fld>
             <a:endParaRPr lang="zh-CN" altLang="en-US"/>
           </a:p>
@@ -4464,7 +4464,7 @@
           <a:p>
             <a:fld id="{530820CF-B880-4189-942D-D702A7CBA730}" type="datetimeFigureOut">
               <a:rPr lang="zh-CN" altLang="en-US" smtClean="0"/>
-              <a:t>2018/8/20</a:t>
+              <a:t>2018/10/16</a:t>
             </a:fld>
             <a:endParaRPr lang="zh-CN" altLang="en-US"/>
           </a:p>
@@ -4699,7 +4699,7 @@
           <a:p>
             <a:fld id="{EF50BAF8-1120-4869-B1EC-9D010EF77D65}" type="datetimeFigureOut">
               <a:rPr lang="zh-CN" altLang="en-US" smtClean="0"/>
-              <a:t>2018/8/20</a:t>
+              <a:t>2018/10/16</a:t>
             </a:fld>
             <a:endParaRPr lang="zh-CN" altLang="en-US"/>
           </a:p>
@@ -4871,7 +4871,7 @@
           <a:p>
             <a:fld id="{EF50BAF8-1120-4869-B1EC-9D010EF77D65}" type="datetimeFigureOut">
               <a:rPr lang="zh-CN" altLang="en-US" smtClean="0"/>
-              <a:t>2018/8/20</a:t>
+              <a:t>2018/10/16</a:t>
             </a:fld>
             <a:endParaRPr lang="zh-CN" altLang="en-US"/>
           </a:p>
@@ -5116,7 +5116,7 @@
           <a:p>
             <a:fld id="{EF50BAF8-1120-4869-B1EC-9D010EF77D65}" type="datetimeFigureOut">
               <a:rPr lang="zh-CN" altLang="en-US" smtClean="0"/>
-              <a:t>2018/8/20</a:t>
+              <a:t>2018/10/16</a:t>
             </a:fld>
             <a:endParaRPr lang="zh-CN" altLang="en-US"/>
           </a:p>
@@ -5401,7 +5401,7 @@
           <a:p>
             <a:fld id="{EF50BAF8-1120-4869-B1EC-9D010EF77D65}" type="datetimeFigureOut">
               <a:rPr lang="zh-CN" altLang="en-US" smtClean="0"/>
-              <a:t>2018/8/20</a:t>
+              <a:t>2018/10/16</a:t>
             </a:fld>
             <a:endParaRPr lang="zh-CN" altLang="en-US"/>
           </a:p>
@@ -5820,7 +5820,7 @@
           <a:p>
             <a:fld id="{EF50BAF8-1120-4869-B1EC-9D010EF77D65}" type="datetimeFigureOut">
               <a:rPr lang="zh-CN" altLang="en-US" smtClean="0"/>
-              <a:t>2018/8/20</a:t>
+              <a:t>2018/10/16</a:t>
             </a:fld>
             <a:endParaRPr lang="zh-CN" altLang="en-US"/>
           </a:p>
@@ -5937,7 +5937,7 @@
           <a:p>
             <a:fld id="{EF50BAF8-1120-4869-B1EC-9D010EF77D65}" type="datetimeFigureOut">
               <a:rPr lang="zh-CN" altLang="en-US" smtClean="0"/>
-              <a:t>2018/8/20</a:t>
+              <a:t>2018/10/16</a:t>
             </a:fld>
             <a:endParaRPr lang="zh-CN" altLang="en-US"/>
           </a:p>
@@ -6182,7 +6182,7 @@
           <a:p>
             <a:fld id="{EF50BAF8-1120-4869-B1EC-9D010EF77D65}" type="datetimeFigureOut">
               <a:rPr lang="zh-CN" altLang="en-US" smtClean="0"/>
-              <a:t>2018/8/20</a:t>
+              <a:t>2018/10/16</a:t>
             </a:fld>
             <a:endParaRPr lang="zh-CN" altLang="en-US"/>
           </a:p>
@@ -6277,7 +6277,7 @@
           <a:p>
             <a:fld id="{EF50BAF8-1120-4869-B1EC-9D010EF77D65}" type="datetimeFigureOut">
               <a:rPr lang="zh-CN" altLang="en-US" smtClean="0"/>
-              <a:t>2018/8/20</a:t>
+              <a:t>2018/10/16</a:t>
             </a:fld>
             <a:endParaRPr lang="zh-CN" altLang="en-US"/>
           </a:p>
@@ -6552,7 +6552,7 @@
           <a:p>
             <a:fld id="{EF50BAF8-1120-4869-B1EC-9D010EF77D65}" type="datetimeFigureOut">
               <a:rPr lang="zh-CN" altLang="en-US" smtClean="0"/>
-              <a:t>2018/8/20</a:t>
+              <a:t>2018/10/16</a:t>
             </a:fld>
             <a:endParaRPr lang="zh-CN" altLang="en-US"/>
           </a:p>
@@ -6807,7 +6807,7 @@
           <a:p>
             <a:fld id="{EF50BAF8-1120-4869-B1EC-9D010EF77D65}" type="datetimeFigureOut">
               <a:rPr lang="zh-CN" altLang="en-US" smtClean="0"/>
-              <a:t>2018/8/20</a:t>
+              <a:t>2018/10/16</a:t>
             </a:fld>
             <a:endParaRPr lang="zh-CN" altLang="en-US"/>
           </a:p>
@@ -6975,7 +6975,7 @@
           <a:p>
             <a:fld id="{EF50BAF8-1120-4869-B1EC-9D010EF77D65}" type="datetimeFigureOut">
               <a:rPr lang="zh-CN" altLang="en-US" smtClean="0"/>
-              <a:t>2018/8/20</a:t>
+              <a:t>2018/10/16</a:t>
             </a:fld>
             <a:endParaRPr lang="zh-CN" altLang="en-US"/>
           </a:p>
@@ -7153,7 +7153,7 @@
           <a:p>
             <a:fld id="{EF50BAF8-1120-4869-B1EC-9D010EF77D65}" type="datetimeFigureOut">
               <a:rPr lang="zh-CN" altLang="en-US" smtClean="0"/>
-              <a:t>2018/8/20</a:t>
+              <a:t>2018/10/16</a:t>
             </a:fld>
             <a:endParaRPr lang="zh-CN" altLang="en-US"/>
           </a:p>
@@ -7438,7 +7438,7 @@
           <a:p>
             <a:fld id="{EF50BAF8-1120-4869-B1EC-9D010EF77D65}" type="datetimeFigureOut">
               <a:rPr lang="zh-CN" altLang="en-US" smtClean="0"/>
-              <a:t>2018/8/20</a:t>
+              <a:t>2018/10/16</a:t>
             </a:fld>
             <a:endParaRPr lang="zh-CN" altLang="en-US"/>
           </a:p>
@@ -7857,7 +7857,7 @@
           <a:p>
             <a:fld id="{EF50BAF8-1120-4869-B1EC-9D010EF77D65}" type="datetimeFigureOut">
               <a:rPr lang="zh-CN" altLang="en-US" smtClean="0"/>
-              <a:t>2018/8/20</a:t>
+              <a:t>2018/10/16</a:t>
             </a:fld>
             <a:endParaRPr lang="zh-CN" altLang="en-US"/>
           </a:p>
@@ -7974,7 +7974,7 @@
           <a:p>
             <a:fld id="{EF50BAF8-1120-4869-B1EC-9D010EF77D65}" type="datetimeFigureOut">
               <a:rPr lang="zh-CN" altLang="en-US" smtClean="0"/>
-              <a:t>2018/8/20</a:t>
+              <a:t>2018/10/16</a:t>
             </a:fld>
             <a:endParaRPr lang="zh-CN" altLang="en-US"/>
           </a:p>
@@ -8069,7 +8069,7 @@
           <a:p>
             <a:fld id="{EF50BAF8-1120-4869-B1EC-9D010EF77D65}" type="datetimeFigureOut">
               <a:rPr lang="zh-CN" altLang="en-US" smtClean="0"/>
-              <a:t>2018/8/20</a:t>
+              <a:t>2018/10/16</a:t>
             </a:fld>
             <a:endParaRPr lang="zh-CN" altLang="en-US"/>
           </a:p>
@@ -8344,7 +8344,7 @@
           <a:p>
             <a:fld id="{EF50BAF8-1120-4869-B1EC-9D010EF77D65}" type="datetimeFigureOut">
               <a:rPr lang="zh-CN" altLang="en-US" smtClean="0"/>
-              <a:t>2018/8/20</a:t>
+              <a:t>2018/10/16</a:t>
             </a:fld>
             <a:endParaRPr lang="zh-CN" altLang="en-US"/>
           </a:p>
@@ -8596,7 +8596,7 @@
           <a:p>
             <a:fld id="{EF50BAF8-1120-4869-B1EC-9D010EF77D65}" type="datetimeFigureOut">
               <a:rPr lang="zh-CN" altLang="en-US" smtClean="0"/>
-              <a:t>2018/8/20</a:t>
+              <a:t>2018/10/16</a:t>
             </a:fld>
             <a:endParaRPr lang="zh-CN" altLang="en-US"/>
           </a:p>
@@ -8853,7 +8853,7 @@
           <a:p>
             <a:fld id="{EF50BAF8-1120-4869-B1EC-9D010EF77D65}" type="datetimeFigureOut">
               <a:rPr lang="zh-CN" altLang="en-US" smtClean="0"/>
-              <a:t>2018/8/20</a:t>
+              <a:t>2018/10/16</a:t>
             </a:fld>
             <a:endParaRPr lang="zh-CN" altLang="en-US"/>
           </a:p>
@@ -9372,7 +9372,7 @@
           <a:p>
             <a:fld id="{530820CF-B880-4189-942D-D702A7CBA730}" type="datetimeFigureOut">
               <a:rPr lang="zh-CN" altLang="en-US" smtClean="0"/>
-              <a:t>2018/8/20</a:t>
+              <a:t>2018/10/16</a:t>
             </a:fld>
             <a:endParaRPr lang="zh-CN" altLang="en-US"/>
           </a:p>
@@ -9913,7 +9913,7 @@
           <a:p>
             <a:fld id="{EF50BAF8-1120-4869-B1EC-9D010EF77D65}" type="datetimeFigureOut">
               <a:rPr lang="zh-CN" altLang="en-US" smtClean="0"/>
-              <a:t>2018/8/20</a:t>
+              <a:t>2018/10/16</a:t>
             </a:fld>
             <a:endParaRPr lang="zh-CN" altLang="en-US"/>
           </a:p>
@@ -10809,7 +10809,7 @@
           <a:graphicData uri="http://schemas.openxmlformats.org/presentationml/2006/ole">
             <mc:AlternateContent xmlns:mc="http://schemas.openxmlformats.org/markup-compatibility/2006">
               <mc:Choice xmlns:v="urn:schemas-microsoft-com:vml" Requires="v">
-                <p:oleObj spid="_x0000_s3175" name="Visio" r:id="rId3" imgW="8992791" imgH="4745355" progId="Visio.Drawing.11">
+                <p:oleObj spid="_x0000_s3177" name="Visio" r:id="rId3" imgW="8992791" imgH="4745355" progId="Visio.Drawing.11">
                   <p:embed/>
                 </p:oleObj>
               </mc:Choice>
@@ -11215,32 +11215,40 @@
           <a:p>
             <a:r>
               <a:rPr lang="en-US" altLang="zh-CN" sz="2000" dirty="0"/>
-              <a:t>	parameter</a:t>
-            </a:r>
-          </a:p>
-          <a:p>
+              <a:t>	</a:t>
+            </a:r>
             <a:r>
               <a:rPr lang="en-US" altLang="zh-CN" sz="2000" dirty="0"/>
-              <a:t>		ADDR_WIDTH = 6;</a:t>
+              <a:t>parameter</a:t>
             </a:r>
           </a:p>
           <a:p>
             <a:r>
               <a:rPr lang="en-US" altLang="zh-CN" sz="2000" dirty="0"/>
+              <a:t>		</a:t>
+            </a:r>
+            <a:r>
+              <a:rPr lang="en-US" altLang="zh-CN" sz="2000" dirty="0" smtClean="0"/>
+              <a:t>ADDR_WIDTH = 6;</a:t>
+            </a:r>
+          </a:p>
+          <a:p>
+            <a:r>
+              <a:rPr lang="en-US" altLang="zh-CN" sz="2000" dirty="0" smtClean="0"/>
               <a:t>	</a:t>
             </a:r>
             <a:r>
-              <a:rPr lang="en-US" altLang="zh-CN" sz="2000" dirty="0" err="1"/>
+              <a:rPr lang="en-US" altLang="zh-CN" sz="2000" dirty="0" err="1" smtClean="0"/>
               <a:t>reg</a:t>
             </a:r>
             <a:r>
-              <a:rPr lang="en-US" altLang="zh-CN" sz="2000" dirty="0"/>
+              <a:rPr lang="en-US" altLang="zh-CN" sz="2000" dirty="0" smtClean="0"/>
               <a:t> [31:0] data [0:(1&lt;&lt;ADDR_WIDTH)-1];</a:t>
             </a:r>
           </a:p>
           <a:p>
             <a:r>
-              <a:rPr lang="en-US" altLang="zh-CN" sz="2000" dirty="0"/>
+              <a:rPr lang="en-US" altLang="zh-CN" sz="2000" dirty="0" smtClean="0"/>
               <a:t>	initial	begin</a:t>
             </a:r>
           </a:p>
@@ -13080,7 +13088,7 @@
           <a:graphicData uri="http://schemas.openxmlformats.org/presentationml/2006/ole">
             <mc:AlternateContent xmlns:mc="http://schemas.openxmlformats.org/markup-compatibility/2006">
               <mc:Choice xmlns:v="urn:schemas-microsoft-com:vml" Requires="v">
-                <p:oleObj spid="_x0000_s5212" name="Visio" r:id="rId3" imgW="7675245" imgH="6217920" progId="Visio.Drawing.11">
+                <p:oleObj spid="_x0000_s5214" name="Visio" r:id="rId3" imgW="7675245" imgH="6217920" progId="Visio.Drawing.11">
                   <p:embed/>
                 </p:oleObj>
               </mc:Choice>
@@ -13277,7 +13285,7 @@
           <a:graphicData uri="http://schemas.openxmlformats.org/presentationml/2006/ole">
             <mc:AlternateContent xmlns:mc="http://schemas.openxmlformats.org/markup-compatibility/2006">
               <mc:Choice xmlns:v="urn:schemas-microsoft-com:vml" Requires="v">
-                <p:oleObj spid="_x0000_s6236" name="Visio" r:id="rId3" imgW="8333232" imgH="5977738" progId="Visio.Drawing.11">
+                <p:oleObj spid="_x0000_s6238" name="Visio" r:id="rId3" imgW="8333232" imgH="5977738" progId="Visio.Drawing.11">
                   <p:embed/>
                 </p:oleObj>
               </mc:Choice>
@@ -13498,7 +13506,7 @@
           <a:graphicData uri="http://schemas.openxmlformats.org/presentationml/2006/ole">
             <mc:AlternateContent xmlns:mc="http://schemas.openxmlformats.org/markup-compatibility/2006">
               <mc:Choice xmlns:v="urn:schemas-microsoft-com:vml" Requires="v">
-                <p:oleObj spid="_x0000_s7196" name="Visio" r:id="rId3" imgW="12018264" imgH="5720080" progId="Visio.Drawing.11">
+                <p:oleObj spid="_x0000_s7198" name="Visio" r:id="rId3" imgW="12018264" imgH="5720080" progId="Visio.Drawing.11">
                   <p:embed/>
                 </p:oleObj>
               </mc:Choice>
@@ -13636,7 +13644,7 @@
           <a:graphicData uri="http://schemas.openxmlformats.org/presentationml/2006/ole">
             <mc:AlternateContent xmlns:mc="http://schemas.openxmlformats.org/markup-compatibility/2006">
               <mc:Choice xmlns:v="urn:schemas-microsoft-com:vml" Requires="v">
-                <p:oleObj spid="_x0000_s8220" name="Visio" r:id="rId3" imgW="10954893" imgH="5543702" progId="Visio.Drawing.11">
+                <p:oleObj spid="_x0000_s8222" name="Visio" r:id="rId3" imgW="10954893" imgH="5543702" progId="Visio.Drawing.11">
                   <p:embed/>
                 </p:oleObj>
               </mc:Choice>
@@ -37157,7 +37165,7 @@
           <a:graphicData uri="http://schemas.openxmlformats.org/presentationml/2006/ole">
             <mc:AlternateContent xmlns:mc="http://schemas.openxmlformats.org/markup-compatibility/2006">
               <mc:Choice xmlns:v="urn:schemas-microsoft-com:vml" Requires="v">
-                <p:oleObj spid="_x0000_s1127" name="Visio" r:id="rId3" imgW="6502908" imgH="4385767" progId="Visio.Drawing.11">
+                <p:oleObj spid="_x0000_s1129" name="Visio" r:id="rId3" imgW="6502908" imgH="4385767" progId="Visio.Drawing.11">
                   <p:embed/>
                 </p:oleObj>
               </mc:Choice>
